--- a/ppt/Python17-Regex.pptx
+++ b/ppt/Python17-Regex.pptx
@@ -3995,6 +3995,13 @@
   <p:clrMapOvr>
     <a:masterClrMapping/>
   </p:clrMapOvr>
+  <p:timing>
+    <p:tnLst>
+      <p:par>
+        <p:cTn id="1" dur="indefinite" restart="never" nodeType="tmRoot"/>
+      </p:par>
+    </p:tnLst>
+  </p:timing>
 </p:sld>
 </file>
 
@@ -4104,7 +4111,15 @@
             <a:pPr lvl="1"/>
             <a:r>
               <a:rPr lang="fr-FR" dirty="0" smtClean="0"/>
-              <a:t>+ = {1, *} soir au moins 1</a:t>
+              <a:t>+ = {1, *} </a:t>
+            </a:r>
+            <a:r>
+              <a:rPr lang="fr-FR" dirty="0" smtClean="0"/>
+              <a:t>soit </a:t>
+            </a:r>
+            <a:r>
+              <a:rPr lang="fr-FR" dirty="0" smtClean="0"/>
+              <a:t>au moins 1</a:t>
             </a:r>
           </a:p>
           <a:p>
@@ -4143,6 +4158,13 @@
   <p:clrMapOvr>
     <a:masterClrMapping/>
   </p:clrMapOvr>
+  <p:timing>
+    <p:tnLst>
+      <p:par>
+        <p:cTn id="1" dur="indefinite" restart="never" nodeType="tmRoot"/>
+      </p:par>
+    </p:tnLst>
+  </p:timing>
 </p:sld>
 </file>
 
@@ -4294,6 +4316,13 @@
   <p:clrMapOvr>
     <a:masterClrMapping/>
   </p:clrMapOvr>
+  <p:timing>
+    <p:tnLst>
+      <p:par>
+        <p:cTn id="1" dur="indefinite" restart="never" nodeType="tmRoot"/>
+      </p:par>
+    </p:tnLst>
+  </p:timing>
 </p:sld>
 </file>
 
@@ -4378,21 +4407,12 @@
               <a:rPr lang="fr-FR" dirty="0" smtClean="0"/>
               <a:t>); \W une non lettre</a:t>
             </a:r>
-            <a:endParaRPr lang="fr-FR" dirty="0" smtClean="0"/>
           </a:p>
           <a:p>
             <a:pPr lvl="1"/>
             <a:r>
               <a:rPr lang="fr-FR" dirty="0" smtClean="0"/>
-              <a:t>\d </a:t>
-            </a:r>
-            <a:r>
-              <a:rPr lang="fr-FR" dirty="0" smtClean="0"/>
-              <a:t>= </a:t>
-            </a:r>
-            <a:r>
-              <a:rPr lang="fr-FR" dirty="0" smtClean="0"/>
-              <a:t>nombre(d = digit); \D un non chiffre</a:t>
+              <a:t>\d = nombre(d = digit); \D un non chiffre</a:t>
             </a:r>
           </a:p>
           <a:p>
@@ -4409,7 +4429,6 @@
               <a:rPr lang="fr-FR" dirty="0" smtClean="0"/>
               <a:t>), \S un non espace</a:t>
             </a:r>
-            <a:endParaRPr lang="fr-FR" dirty="0" smtClean="0"/>
           </a:p>
           <a:p>
             <a:r>
@@ -4467,6 +4486,13 @@
   <p:clrMapOvr>
     <a:masterClrMapping/>
   </p:clrMapOvr>
+  <p:timing>
+    <p:tnLst>
+      <p:par>
+        <p:cTn id="1" dur="indefinite" restart="never" nodeType="tmRoot"/>
+      </p:par>
+    </p:tnLst>
+  </p:timing>
 </p:sld>
 </file>
 
@@ -4632,6 +4658,13 @@
   <p:clrMapOvr>
     <a:masterClrMapping/>
   </p:clrMapOvr>
+  <p:timing>
+    <p:tnLst>
+      <p:par>
+        <p:cTn id="1" dur="indefinite" restart="never" nodeType="tmRoot"/>
+      </p:par>
+    </p:tnLst>
+  </p:timing>
 </p:sld>
 </file>
 

--- a/ppt/Python17-Regex.pptx
+++ b/ppt/Python17-Regex.pptx
@@ -4065,8 +4065,8 @@
               <a:t>Une expressions régulière est un formalisme sous forme de string </a:t>
             </a:r>
             <a:r>
-              <a:rPr lang="fr-FR" dirty="0" err="1" smtClean="0"/>
-              <a:t>nomalisé</a:t>
+              <a:rPr lang="fr-FR" dirty="0" smtClean="0"/>
+              <a:t>normalisé</a:t>
             </a:r>
             <a:endParaRPr lang="fr-FR" dirty="0" smtClean="0"/>
           </a:p>
@@ -4111,15 +4111,7 @@
             <a:pPr lvl="1"/>
             <a:r>
               <a:rPr lang="fr-FR" dirty="0" smtClean="0"/>
-              <a:t>+ = {1, *} </a:t>
-            </a:r>
-            <a:r>
-              <a:rPr lang="fr-FR" dirty="0" smtClean="0"/>
-              <a:t>soit </a:t>
-            </a:r>
-            <a:r>
-              <a:rPr lang="fr-FR" dirty="0" smtClean="0"/>
-              <a:t>au moins 1</a:t>
+              <a:t>+ = {1, *} soit au moins 1</a:t>
             </a:r>
           </a:p>
           <a:p>
